--- a/CCapsTools/ES2N -  Apresentacao v2.0.pptx
+++ b/CCapsTools/ES2N -  Apresentacao v2.0.pptx
@@ -22435,6 +22435,36 @@
           </a:p>
         </p:txBody>
       </p:sp>
+      <p:pic>
+        <p:nvPicPr>
+          <p:cNvPr id="3" name="Imagem 2">
+            <a:extLst>
+              <a:ext uri="{FF2B5EF4-FFF2-40B4-BE49-F238E27FC236}">
+                <a16:creationId xmlns:a16="http://schemas.microsoft.com/office/drawing/2014/main" id="{B7FE2A38-2225-5634-095D-4D29625718E7}"/>
+              </a:ext>
+            </a:extLst>
+          </p:cNvPr>
+          <p:cNvPicPr>
+            <a:picLocks noChangeAspect="1"/>
+          </p:cNvPicPr>
+          <p:nvPr/>
+        </p:nvPicPr>
+        <p:blipFill>
+          <a:blip r:embed="rId3"/>
+          <a:stretch>
+            <a:fillRect/>
+          </a:stretch>
+        </p:blipFill>
+        <p:spPr>
+          <a:xfrm>
+            <a:off x="0" y="5651732"/>
+            <a:ext cx="159657" cy="1206268"/>
+          </a:xfrm>
+          <a:prstGeom prst="rect">
+            <a:avLst/>
+          </a:prstGeom>
+        </p:spPr>
+      </p:pic>
     </p:spTree>
   </p:cSld>
   <p:clrMapOvr>
@@ -22957,6 +22987,36 @@
           </a:p>
         </p:txBody>
       </p:sp>
+      <p:pic>
+        <p:nvPicPr>
+          <p:cNvPr id="2" name="Imagem 1">
+            <a:extLst>
+              <a:ext uri="{FF2B5EF4-FFF2-40B4-BE49-F238E27FC236}">
+                <a16:creationId xmlns:a16="http://schemas.microsoft.com/office/drawing/2014/main" id="{2B011749-F180-E57B-7670-96C15A14496C}"/>
+              </a:ext>
+            </a:extLst>
+          </p:cNvPr>
+          <p:cNvPicPr>
+            <a:picLocks noChangeAspect="1"/>
+          </p:cNvPicPr>
+          <p:nvPr/>
+        </p:nvPicPr>
+        <p:blipFill>
+          <a:blip r:embed="rId5"/>
+          <a:stretch>
+            <a:fillRect/>
+          </a:stretch>
+        </p:blipFill>
+        <p:spPr>
+          <a:xfrm>
+            <a:off x="0" y="5651732"/>
+            <a:ext cx="159657" cy="1206268"/>
+          </a:xfrm>
+          <a:prstGeom prst="rect">
+            <a:avLst/>
+          </a:prstGeom>
+        </p:spPr>
+      </p:pic>
     </p:spTree>
   </p:cSld>
   <p:clrMapOvr>
@@ -23032,6 +23092,36 @@
           </a:p>
         </p:txBody>
       </p:sp>
+      <p:pic>
+        <p:nvPicPr>
+          <p:cNvPr id="2" name="Imagem 1">
+            <a:extLst>
+              <a:ext uri="{FF2B5EF4-FFF2-40B4-BE49-F238E27FC236}">
+                <a16:creationId xmlns:a16="http://schemas.microsoft.com/office/drawing/2014/main" id="{262CE181-DFA4-4C26-8B2E-C38D3D4B47BB}"/>
+              </a:ext>
+            </a:extLst>
+          </p:cNvPr>
+          <p:cNvPicPr>
+            <a:picLocks noChangeAspect="1"/>
+          </p:cNvPicPr>
+          <p:nvPr/>
+        </p:nvPicPr>
+        <p:blipFill>
+          <a:blip r:embed="rId3"/>
+          <a:stretch>
+            <a:fillRect/>
+          </a:stretch>
+        </p:blipFill>
+        <p:spPr>
+          <a:xfrm>
+            <a:off x="0" y="5651732"/>
+            <a:ext cx="159657" cy="1206268"/>
+          </a:xfrm>
+          <a:prstGeom prst="rect">
+            <a:avLst/>
+          </a:prstGeom>
+        </p:spPr>
+      </p:pic>
     </p:spTree>
   </p:cSld>
   <p:clrMapOvr>
@@ -23107,6 +23197,36 @@
           </a:p>
         </p:txBody>
       </p:sp>
+      <p:pic>
+        <p:nvPicPr>
+          <p:cNvPr id="2" name="Imagem 1">
+            <a:extLst>
+              <a:ext uri="{FF2B5EF4-FFF2-40B4-BE49-F238E27FC236}">
+                <a16:creationId xmlns:a16="http://schemas.microsoft.com/office/drawing/2014/main" id="{8B5033ED-2B72-18B1-EFF7-AC33E54E6F54}"/>
+              </a:ext>
+            </a:extLst>
+          </p:cNvPr>
+          <p:cNvPicPr>
+            <a:picLocks noChangeAspect="1"/>
+          </p:cNvPicPr>
+          <p:nvPr/>
+        </p:nvPicPr>
+        <p:blipFill>
+          <a:blip r:embed="rId3"/>
+          <a:stretch>
+            <a:fillRect/>
+          </a:stretch>
+        </p:blipFill>
+        <p:spPr>
+          <a:xfrm>
+            <a:off x="0" y="5651732"/>
+            <a:ext cx="159657" cy="1206268"/>
+          </a:xfrm>
+          <a:prstGeom prst="rect">
+            <a:avLst/>
+          </a:prstGeom>
+        </p:spPr>
+      </p:pic>
     </p:spTree>
   </p:cSld>
   <p:clrMapOvr>
